--- a/CPSC-24700/Presentations/session-38.pptx
+++ b/CPSC-24700/Presentations/session-38.pptx
@@ -121,6 +121,10 @@
 </p:presentation>
 </file>
 
+<file path=ppt/revisionInfo.xml><?xml version="1.0" encoding="utf-8"?>
+<p1510:revInfo xmlns:a="http://schemas.openxmlformats.org/drawingml/2006/main" xmlns:r="http://schemas.openxmlformats.org/officeDocument/2006/relationships" xmlns:p1510="http://schemas.microsoft.com/office/powerpoint/2015/10/main"/>
+</file>
+
 <file path=ppt/notesMasters/notesMaster1.xml><?xml version="1.0" encoding="utf-8"?>
 <p:notesMaster xmlns:a="http://schemas.openxmlformats.org/drawingml/2006/main" xmlns:r="http://schemas.openxmlformats.org/officeDocument/2006/relationships" xmlns:p="http://schemas.openxmlformats.org/presentationml/2006/main">
   <p:cSld>
@@ -203,7 +207,7 @@
           <a:p>
             <a:fld id="{1CF91C02-A59E-4778-8D4F-4840DBBEFA68}" type="datetimeFigureOut">
               <a:rPr lang="en-US" smtClean="0"/>
-              <a:t>11/29/2017</a:t>
+              <a:t>12/1/2017</a:t>
             </a:fld>
             <a:endParaRPr lang="en-US"/>
           </a:p>
@@ -1208,7 +1212,7 @@
           <a:p>
             <a:fld id="{5FB62F81-FD80-4AA8-93CA-E835B40BE667}" type="datetimeFigureOut">
               <a:rPr lang="en-US" smtClean="0"/>
-              <a:t>11/29/2017</a:t>
+              <a:t>12/1/2017</a:t>
             </a:fld>
             <a:endParaRPr lang="en-US"/>
           </a:p>
@@ -1406,7 +1410,7 @@
           <a:p>
             <a:fld id="{5FB62F81-FD80-4AA8-93CA-E835B40BE667}" type="datetimeFigureOut">
               <a:rPr lang="en-US" smtClean="0"/>
-              <a:t>11/29/2017</a:t>
+              <a:t>12/1/2017</a:t>
             </a:fld>
             <a:endParaRPr lang="en-US"/>
           </a:p>
@@ -1614,7 +1618,7 @@
           <a:p>
             <a:fld id="{5FB62F81-FD80-4AA8-93CA-E835B40BE667}" type="datetimeFigureOut">
               <a:rPr lang="en-US" smtClean="0"/>
-              <a:t>11/29/2017</a:t>
+              <a:t>12/1/2017</a:t>
             </a:fld>
             <a:endParaRPr lang="en-US"/>
           </a:p>
@@ -1812,7 +1816,7 @@
           <a:p>
             <a:fld id="{5FB62F81-FD80-4AA8-93CA-E835B40BE667}" type="datetimeFigureOut">
               <a:rPr lang="en-US" smtClean="0"/>
-              <a:t>11/29/2017</a:t>
+              <a:t>12/1/2017</a:t>
             </a:fld>
             <a:endParaRPr lang="en-US"/>
           </a:p>
@@ -2087,7 +2091,7 @@
           <a:p>
             <a:fld id="{5FB62F81-FD80-4AA8-93CA-E835B40BE667}" type="datetimeFigureOut">
               <a:rPr lang="en-US" smtClean="0"/>
-              <a:t>11/29/2017</a:t>
+              <a:t>12/1/2017</a:t>
             </a:fld>
             <a:endParaRPr lang="en-US"/>
           </a:p>
@@ -2352,7 +2356,7 @@
           <a:p>
             <a:fld id="{5FB62F81-FD80-4AA8-93CA-E835B40BE667}" type="datetimeFigureOut">
               <a:rPr lang="en-US" smtClean="0"/>
-              <a:t>11/29/2017</a:t>
+              <a:t>12/1/2017</a:t>
             </a:fld>
             <a:endParaRPr lang="en-US"/>
           </a:p>
@@ -2764,7 +2768,7 @@
           <a:p>
             <a:fld id="{5FB62F81-FD80-4AA8-93CA-E835B40BE667}" type="datetimeFigureOut">
               <a:rPr lang="en-US" smtClean="0"/>
-              <a:t>11/29/2017</a:t>
+              <a:t>12/1/2017</a:t>
             </a:fld>
             <a:endParaRPr lang="en-US"/>
           </a:p>
@@ -2905,7 +2909,7 @@
           <a:p>
             <a:fld id="{5FB62F81-FD80-4AA8-93CA-E835B40BE667}" type="datetimeFigureOut">
               <a:rPr lang="en-US" smtClean="0"/>
-              <a:t>11/29/2017</a:t>
+              <a:t>12/1/2017</a:t>
             </a:fld>
             <a:endParaRPr lang="en-US"/>
           </a:p>
@@ -3018,7 +3022,7 @@
           <a:p>
             <a:fld id="{5FB62F81-FD80-4AA8-93CA-E835B40BE667}" type="datetimeFigureOut">
               <a:rPr lang="en-US" smtClean="0"/>
-              <a:t>11/29/2017</a:t>
+              <a:t>12/1/2017</a:t>
             </a:fld>
             <a:endParaRPr lang="en-US"/>
           </a:p>
@@ -3329,7 +3333,7 @@
           <a:p>
             <a:fld id="{5FB62F81-FD80-4AA8-93CA-E835B40BE667}" type="datetimeFigureOut">
               <a:rPr lang="en-US" smtClean="0"/>
-              <a:t>11/29/2017</a:t>
+              <a:t>12/1/2017</a:t>
             </a:fld>
             <a:endParaRPr lang="en-US"/>
           </a:p>
@@ -3617,7 +3621,7 @@
           <a:p>
             <a:fld id="{5FB62F81-FD80-4AA8-93CA-E835B40BE667}" type="datetimeFigureOut">
               <a:rPr lang="en-US" smtClean="0"/>
-              <a:t>11/29/2017</a:t>
+              <a:t>12/1/2017</a:t>
             </a:fld>
             <a:endParaRPr lang="en-US"/>
           </a:p>
@@ -3858,7 +3862,7 @@
           <a:p>
             <a:fld id="{5FB62F81-FD80-4AA8-93CA-E835B40BE667}" type="datetimeFigureOut">
               <a:rPr lang="en-US" smtClean="0"/>
-              <a:t>11/29/2017</a:t>
+              <a:t>12/1/2017</a:t>
             </a:fld>
             <a:endParaRPr lang="en-US"/>
           </a:p>
@@ -4372,7 +4376,7 @@
             </a:pPr>
             <a:r>
               <a:rPr lang="en-US" sz="2000" dirty="0"/>
-              <a:t>Zip to City/State Demo?</a:t>
+              <a:t>Zip to City/State Demo</a:t>
             </a:r>
           </a:p>
           <a:p>
@@ -4602,7 +4606,7 @@
           <a:p>
             <a:r>
               <a:rPr lang="en-US" sz="3600" dirty="0"/>
-              <a:t>Assignment by Wednesday, Nov 29</a:t>
+              <a:t>Assignment by Friday, Dec 1</a:t>
             </a:r>
           </a:p>
         </p:txBody>
@@ -4650,7 +4654,7 @@
           <a:p>
             <a:r>
               <a:rPr lang="en-US" sz="2000" dirty="0"/>
-              <a:t>Ch.13.1 to 13.4 on Web Application access to Databases</a:t>
+              <a:t>Ch.13.1 to 13.6 on Web Application access to Databases</a:t>
             </a:r>
           </a:p>
           <a:p>
@@ -4734,10 +4738,10 @@
       </p:grpSpPr>
       <p:pic>
         <p:nvPicPr>
-          <p:cNvPr id="3" name="Picture 2">
-            <a:extLst>
-              <a:ext uri="{FF2B5EF4-FFF2-40B4-BE49-F238E27FC236}">
-                <a16:creationId xmlns:a16="http://schemas.microsoft.com/office/drawing/2014/main" id="{D4C6DA66-5BBA-44B8-9BA4-BD817DA9AD36}"/>
+          <p:cNvPr id="2" name="Picture 1">
+            <a:extLst>
+              <a:ext uri="{FF2B5EF4-FFF2-40B4-BE49-F238E27FC236}">
+                <a16:creationId xmlns:a16="http://schemas.microsoft.com/office/drawing/2014/main" id="{BB264283-3A93-48D4-AF22-EEB0BD8A0DB3}"/>
               </a:ext>
             </a:extLst>
           </p:cNvPr>
@@ -4754,8 +4758,8 @@
         </p:blipFill>
         <p:spPr>
           <a:xfrm>
-            <a:off x="749968" y="2293315"/>
-            <a:ext cx="10692064" cy="2271370"/>
+            <a:off x="749968" y="2300710"/>
+            <a:ext cx="10727104" cy="2263976"/>
           </a:xfrm>
           <a:prstGeom prst="rect">
             <a:avLst/>
@@ -4919,7 +4923,7 @@
           <a:p>
             <a:r>
               <a:rPr lang="en-US" sz="3600" dirty="0"/>
-              <a:t>Assignment by Friday, Dec 1</a:t>
+              <a:t>Assignment by Monday, Dec </a:t>
             </a:r>
           </a:p>
         </p:txBody>
@@ -4967,7 +4971,7 @@
           <a:p>
             <a:r>
               <a:rPr lang="en-US" sz="2000" dirty="0"/>
-              <a:t>Ch.13.5 to 13.6 on Web Application access to Databases</a:t>
+              <a:t>Compete Ch.13 on Web Application access to Databases</a:t>
             </a:r>
           </a:p>
           <a:p>
@@ -4975,6 +4979,67 @@
               <a:rPr lang="en-US" sz="2000" dirty="0"/>
               <a:t>Continue to focus on Project 5… which is due one week from today</a:t>
             </a:r>
+          </a:p>
+          <a:p>
+            <a:r>
+              <a:rPr lang="en-US" sz="2000" dirty="0"/>
+              <a:t>Final Lab – Complete Either: </a:t>
+            </a:r>
+          </a:p>
+          <a:p>
+            <a:pPr marL="0" indent="0">
+              <a:buNone/>
+            </a:pPr>
+            <a:r>
+              <a:rPr lang="en-US" sz="2000" dirty="0"/>
+              <a:t>	Week 14a: Build a Node.js and MongoDB web app in Azure </a:t>
+            </a:r>
+            <a:r>
+              <a:rPr lang="en-US" sz="2000" dirty="0">
+                <a:hlinkClick r:id="rId3"/>
+              </a:rPr>
+              <a:t>[link]</a:t>
+            </a:r>
+            <a:r>
+              <a:rPr lang="en-US" sz="2000" dirty="0"/>
+              <a:t>     </a:t>
+            </a:r>
+            <a:r>
+              <a:rPr lang="nl-NL" sz="2000" dirty="0"/>
+              <a:t>OR</a:t>
+            </a:r>
+          </a:p>
+          <a:p>
+            <a:pPr marL="0" indent="0">
+              <a:buNone/>
+            </a:pPr>
+            <a:r>
+              <a:rPr lang="nl-NL" sz="2000" dirty="0"/>
+              <a:t>	</a:t>
+            </a:r>
+            <a:r>
+              <a:rPr lang="en-US" sz="2000" dirty="0"/>
+              <a:t>Week 14b Lab: Build a PHP and MySQL web app in Azure </a:t>
+            </a:r>
+            <a:r>
+              <a:rPr lang="en-US" sz="2000" dirty="0">
+                <a:hlinkClick r:id="rId4"/>
+              </a:rPr>
+              <a:t>[link]</a:t>
+            </a:r>
+            <a:endParaRPr lang="en-US" sz="2000" dirty="0"/>
+          </a:p>
+          <a:p>
+            <a:pPr marL="0" indent="0">
+              <a:buNone/>
+            </a:pPr>
+            <a:endParaRPr lang="en-US" sz="2000" dirty="0"/>
+          </a:p>
+          <a:p>
+            <a:pPr marL="0" indent="0">
+              <a:buNone/>
+            </a:pPr>
+            <a:endParaRPr lang="en-US" sz="2000" dirty="0"/>
           </a:p>
         </p:txBody>
       </p:sp>

--- a/CPSC-24700/Presentations/session-38.pptx
+++ b/CPSC-24700/Presentations/session-38.pptx
@@ -5,7 +5,7 @@
     <p:sldMasterId id="2147483648" r:id="rId1"/>
   </p:sldMasterIdLst>
   <p:notesMasterIdLst>
-    <p:notesMasterId r:id="rId9"/>
+    <p:notesMasterId r:id="rId11"/>
   </p:notesMasterIdLst>
   <p:sldIdLst>
     <p:sldId id="303" r:id="rId2"/>
@@ -13,8 +13,10 @@
     <p:sldId id="307" r:id="rId4"/>
     <p:sldId id="305" r:id="rId5"/>
     <p:sldId id="308" r:id="rId6"/>
-    <p:sldId id="301" r:id="rId7"/>
-    <p:sldId id="263" r:id="rId8"/>
+    <p:sldId id="309" r:id="rId7"/>
+    <p:sldId id="301" r:id="rId8"/>
+    <p:sldId id="310" r:id="rId9"/>
+    <p:sldId id="263" r:id="rId10"/>
   </p:sldIdLst>
   <p:sldSz cx="12192000" cy="6858000"/>
   <p:notesSz cx="7315200" cy="9601200"/>
@@ -941,7 +943,7 @@
           <a:bodyPr/>
           <a:lstStyle/>
           <a:p>
-            <a:endParaRPr lang="en-US" sz="1000" dirty="0"/>
+            <a:endParaRPr lang="en-US" dirty="0"/>
           </a:p>
         </p:txBody>
       </p:sp>
@@ -960,18 +962,18 @@
           <a:bodyPr/>
           <a:lstStyle/>
           <a:p>
-            <a:fld id="{23B99BB9-C7F6-43B3-A122-46088ABB36FB}" type="slidenum">
+            <a:fld id="{5394DE12-7B9B-46AA-AC19-C30A49928B9B}" type="slidenum">
               <a:rPr lang="en-US" smtClean="0"/>
               <a:t>6</a:t>
             </a:fld>
-            <a:endParaRPr lang="en-US"/>
+            <a:endParaRPr lang="en-US" dirty="0"/>
           </a:p>
         </p:txBody>
       </p:sp>
     </p:spTree>
     <p:extLst>
       <p:ext uri="{BB962C8B-B14F-4D97-AF65-F5344CB8AC3E}">
-        <p14:creationId xmlns:p14="http://schemas.microsoft.com/office/powerpoint/2010/main" val="1809836636"/>
+        <p14:creationId xmlns:p14="http://schemas.microsoft.com/office/powerpoint/2010/main" val="3195164218"/>
       </p:ext>
     </p:extLst>
   </p:cSld>
@@ -1025,6 +1027,90 @@
           <a:bodyPr/>
           <a:lstStyle/>
           <a:p>
+            <a:endParaRPr lang="en-US" sz="1000" dirty="0"/>
+          </a:p>
+        </p:txBody>
+      </p:sp>
+      <p:sp>
+        <p:nvSpPr>
+          <p:cNvPr id="4" name="Slide Number Placeholder 3"/>
+          <p:cNvSpPr>
+            <a:spLocks noGrp="1"/>
+          </p:cNvSpPr>
+          <p:nvPr>
+            <p:ph type="sldNum" sz="quarter" idx="10"/>
+          </p:nvPr>
+        </p:nvSpPr>
+        <p:spPr/>
+        <p:txBody>
+          <a:bodyPr/>
+          <a:lstStyle/>
+          <a:p>
+            <a:fld id="{23B99BB9-C7F6-43B3-A122-46088ABB36FB}" type="slidenum">
+              <a:rPr lang="en-US" smtClean="0"/>
+              <a:t>7</a:t>
+            </a:fld>
+            <a:endParaRPr lang="en-US"/>
+          </a:p>
+        </p:txBody>
+      </p:sp>
+    </p:spTree>
+    <p:extLst>
+      <p:ext uri="{BB962C8B-B14F-4D97-AF65-F5344CB8AC3E}">
+        <p14:creationId xmlns:p14="http://schemas.microsoft.com/office/powerpoint/2010/main" val="1809836636"/>
+      </p:ext>
+    </p:extLst>
+  </p:cSld>
+  <p:clrMapOvr>
+    <a:masterClrMapping/>
+  </p:clrMapOvr>
+</p:notes>
+</file>
+
+<file path=ppt/notesSlides/notesSlide8.xml><?xml version="1.0" encoding="utf-8"?>
+<p:notes xmlns:a="http://schemas.openxmlformats.org/drawingml/2006/main" xmlns:r="http://schemas.openxmlformats.org/officeDocument/2006/relationships" xmlns:p="http://schemas.openxmlformats.org/presentationml/2006/main">
+  <p:cSld>
+    <p:spTree>
+      <p:nvGrpSpPr>
+        <p:cNvPr id="1" name=""/>
+        <p:cNvGrpSpPr/>
+        <p:nvPr/>
+      </p:nvGrpSpPr>
+      <p:grpSpPr>
+        <a:xfrm>
+          <a:off x="0" y="0"/>
+          <a:ext cx="0" cy="0"/>
+          <a:chOff x="0" y="0"/>
+          <a:chExt cx="0" cy="0"/>
+        </a:xfrm>
+      </p:grpSpPr>
+      <p:sp>
+        <p:nvSpPr>
+          <p:cNvPr id="2" name="Slide Image Placeholder 1"/>
+          <p:cNvSpPr>
+            <a:spLocks noGrp="1" noRot="1" noChangeAspect="1"/>
+          </p:cNvSpPr>
+          <p:nvPr>
+            <p:ph type="sldImg"/>
+          </p:nvPr>
+        </p:nvSpPr>
+        <p:spPr/>
+      </p:sp>
+      <p:sp>
+        <p:nvSpPr>
+          <p:cNvPr id="3" name="Notes Placeholder 2"/>
+          <p:cNvSpPr>
+            <a:spLocks noGrp="1"/>
+          </p:cNvSpPr>
+          <p:nvPr>
+            <p:ph type="body" idx="1"/>
+          </p:nvPr>
+        </p:nvSpPr>
+        <p:spPr/>
+        <p:txBody>
+          <a:bodyPr/>
+          <a:lstStyle/>
+          <a:p>
             <a:endParaRPr lang="en-US" dirty="0"/>
           </a:p>
         </p:txBody>
@@ -1046,7 +1132,91 @@
           <a:p>
             <a:fld id="{5394DE12-7B9B-46AA-AC19-C30A49928B9B}" type="slidenum">
               <a:rPr lang="en-US" smtClean="0"/>
-              <a:t>7</a:t>
+              <a:t>8</a:t>
+            </a:fld>
+            <a:endParaRPr lang="en-US" dirty="0"/>
+          </a:p>
+        </p:txBody>
+      </p:sp>
+    </p:spTree>
+    <p:extLst>
+      <p:ext uri="{BB962C8B-B14F-4D97-AF65-F5344CB8AC3E}">
+        <p14:creationId xmlns:p14="http://schemas.microsoft.com/office/powerpoint/2010/main" val="1997365436"/>
+      </p:ext>
+    </p:extLst>
+  </p:cSld>
+  <p:clrMapOvr>
+    <a:masterClrMapping/>
+  </p:clrMapOvr>
+</p:notes>
+</file>
+
+<file path=ppt/notesSlides/notesSlide9.xml><?xml version="1.0" encoding="utf-8"?>
+<p:notes xmlns:a="http://schemas.openxmlformats.org/drawingml/2006/main" xmlns:r="http://schemas.openxmlformats.org/officeDocument/2006/relationships" xmlns:p="http://schemas.openxmlformats.org/presentationml/2006/main">
+  <p:cSld>
+    <p:spTree>
+      <p:nvGrpSpPr>
+        <p:cNvPr id="1" name=""/>
+        <p:cNvGrpSpPr/>
+        <p:nvPr/>
+      </p:nvGrpSpPr>
+      <p:grpSpPr>
+        <a:xfrm>
+          <a:off x="0" y="0"/>
+          <a:ext cx="0" cy="0"/>
+          <a:chOff x="0" y="0"/>
+          <a:chExt cx="0" cy="0"/>
+        </a:xfrm>
+      </p:grpSpPr>
+      <p:sp>
+        <p:nvSpPr>
+          <p:cNvPr id="2" name="Slide Image Placeholder 1"/>
+          <p:cNvSpPr>
+            <a:spLocks noGrp="1" noRot="1" noChangeAspect="1"/>
+          </p:cNvSpPr>
+          <p:nvPr>
+            <p:ph type="sldImg"/>
+          </p:nvPr>
+        </p:nvSpPr>
+        <p:spPr/>
+      </p:sp>
+      <p:sp>
+        <p:nvSpPr>
+          <p:cNvPr id="3" name="Notes Placeholder 2"/>
+          <p:cNvSpPr>
+            <a:spLocks noGrp="1"/>
+          </p:cNvSpPr>
+          <p:nvPr>
+            <p:ph type="body" idx="1"/>
+          </p:nvPr>
+        </p:nvSpPr>
+        <p:spPr/>
+        <p:txBody>
+          <a:bodyPr/>
+          <a:lstStyle/>
+          <a:p>
+            <a:endParaRPr lang="en-US" dirty="0"/>
+          </a:p>
+        </p:txBody>
+      </p:sp>
+      <p:sp>
+        <p:nvSpPr>
+          <p:cNvPr id="4" name="Slide Number Placeholder 3"/>
+          <p:cNvSpPr>
+            <a:spLocks noGrp="1"/>
+          </p:cNvSpPr>
+          <p:nvPr>
+            <p:ph type="sldNum" sz="quarter" idx="10"/>
+          </p:nvPr>
+        </p:nvSpPr>
+        <p:spPr/>
+        <p:txBody>
+          <a:bodyPr/>
+          <a:lstStyle/>
+          <a:p>
+            <a:fld id="{5394DE12-7B9B-46AA-AC19-C30A49928B9B}" type="slidenum">
+              <a:rPr lang="en-US" smtClean="0"/>
+              <a:t>9</a:t>
             </a:fld>
             <a:endParaRPr lang="en-US" dirty="0"/>
           </a:p>
@@ -4416,6 +4586,16 @@
             </a:pPr>
             <a:r>
               <a:rPr lang="en-US" sz="2000" dirty="0"/>
+              <a:t>Review Project 5 Description… and particularly the submission requirements!</a:t>
+            </a:r>
+          </a:p>
+          <a:p>
+            <a:pPr marL="457200" indent="-457200">
+              <a:buFont typeface="+mj-lt"/>
+              <a:buAutoNum type="arabicPeriod"/>
+            </a:pPr>
+            <a:r>
+              <a:rPr lang="en-US" sz="2000" dirty="0"/>
               <a:t>Assignment &amp; Lab</a:t>
             </a:r>
           </a:p>
@@ -4895,6 +5075,91 @@
       </p:grpSpPr>
       <p:sp>
         <p:nvSpPr>
+          <p:cNvPr id="2" name="Title 1"/>
+          <p:cNvSpPr>
+            <a:spLocks noGrp="1"/>
+          </p:cNvSpPr>
+          <p:nvPr>
+            <p:ph type="ctrTitle"/>
+          </p:nvPr>
+        </p:nvSpPr>
+        <p:spPr>
+          <a:xfrm>
+            <a:off x="1524000" y="1122361"/>
+            <a:ext cx="9144000" cy="3011893"/>
+          </a:xfrm>
+        </p:spPr>
+        <p:txBody>
+          <a:bodyPr>
+            <a:noAutofit/>
+          </a:bodyPr>
+          <a:lstStyle/>
+          <a:p>
+            <a:br>
+              <a:rPr lang="en-US" sz="4000" dirty="0"/>
+            </a:br>
+            <a:r>
+              <a:rPr lang="en-US" sz="4000" dirty="0"/>
+              <a:t>Review Project 5 Description</a:t>
+            </a:r>
+            <a:br>
+              <a:rPr lang="en-US" sz="4000" dirty="0"/>
+            </a:br>
+            <a:r>
+              <a:rPr lang="en-US" sz="4000" dirty="0"/>
+              <a:t>…particularly the </a:t>
+            </a:r>
+            <a:r>
+              <a:rPr lang="en-US" sz="4000" u="sng" dirty="0"/>
+              <a:t>submission</a:t>
+            </a:r>
+            <a:r>
+              <a:rPr lang="en-US" sz="4000" dirty="0"/>
+              <a:t> </a:t>
+            </a:r>
+            <a:r>
+              <a:rPr lang="en-US" sz="4000" u="sng" dirty="0"/>
+              <a:t>requirements</a:t>
+            </a:r>
+            <a:r>
+              <a:rPr lang="en-US" sz="4000" dirty="0"/>
+              <a:t>!</a:t>
+            </a:r>
+          </a:p>
+        </p:txBody>
+      </p:sp>
+    </p:spTree>
+    <p:extLst>
+      <p:ext uri="{BB962C8B-B14F-4D97-AF65-F5344CB8AC3E}">
+        <p14:creationId xmlns:p14="http://schemas.microsoft.com/office/powerpoint/2010/main" val="1250736801"/>
+      </p:ext>
+    </p:extLst>
+  </p:cSld>
+  <p:clrMapOvr>
+    <a:masterClrMapping/>
+  </p:clrMapOvr>
+</p:sld>
+</file>
+
+<file path=ppt/slides/slide7.xml><?xml version="1.0" encoding="utf-8"?>
+<p:sld xmlns:a="http://schemas.openxmlformats.org/drawingml/2006/main" xmlns:r="http://schemas.openxmlformats.org/officeDocument/2006/relationships" xmlns:p="http://schemas.openxmlformats.org/presentationml/2006/main">
+  <p:cSld>
+    <p:spTree>
+      <p:nvGrpSpPr>
+        <p:cNvPr id="1" name=""/>
+        <p:cNvGrpSpPr/>
+        <p:nvPr/>
+      </p:nvGrpSpPr>
+      <p:grpSpPr>
+        <a:xfrm>
+          <a:off x="0" y="0"/>
+          <a:ext cx="0" cy="0"/>
+          <a:chOff x="0" y="0"/>
+          <a:chExt cx="0" cy="0"/>
+        </a:xfrm>
+      </p:grpSpPr>
+      <p:sp>
+        <p:nvSpPr>
           <p:cNvPr id="4" name="Title 1">
             <a:extLst>
               <a:ext uri="{FF2B5EF4-FFF2-40B4-BE49-F238E27FC236}">
@@ -4923,7 +5188,7 @@
           <a:p>
             <a:r>
               <a:rPr lang="en-US" sz="3600" dirty="0"/>
-              <a:t>Assignment by Monday, Dec </a:t>
+              <a:t>Assignment by Monday, Dec 4</a:t>
             </a:r>
           </a:p>
         </p:txBody>
@@ -5056,7 +5321,69 @@
 </p:sld>
 </file>
 
-<file path=ppt/slides/slide7.xml><?xml version="1.0" encoding="utf-8"?>
+<file path=ppt/slides/slide8.xml><?xml version="1.0" encoding="utf-8"?>
+<p:sld xmlns:a="http://schemas.openxmlformats.org/drawingml/2006/main" xmlns:r="http://schemas.openxmlformats.org/officeDocument/2006/relationships" xmlns:p="http://schemas.openxmlformats.org/presentationml/2006/main">
+  <p:cSld>
+    <p:spTree>
+      <p:nvGrpSpPr>
+        <p:cNvPr id="1" name=""/>
+        <p:cNvGrpSpPr/>
+        <p:nvPr/>
+      </p:nvGrpSpPr>
+      <p:grpSpPr>
+        <a:xfrm>
+          <a:off x="0" y="0"/>
+          <a:ext cx="0" cy="0"/>
+          <a:chOff x="0" y="0"/>
+          <a:chExt cx="0" cy="0"/>
+        </a:xfrm>
+      </p:grpSpPr>
+      <p:sp>
+        <p:nvSpPr>
+          <p:cNvPr id="2" name="Title 1"/>
+          <p:cNvSpPr>
+            <a:spLocks noGrp="1"/>
+          </p:cNvSpPr>
+          <p:nvPr>
+            <p:ph type="ctrTitle"/>
+          </p:nvPr>
+        </p:nvSpPr>
+        <p:spPr>
+          <a:xfrm>
+            <a:off x="1524000" y="1122362"/>
+            <a:ext cx="9144000" cy="2807612"/>
+          </a:xfrm>
+        </p:spPr>
+        <p:txBody>
+          <a:bodyPr>
+            <a:noAutofit/>
+          </a:bodyPr>
+          <a:lstStyle/>
+          <a:p>
+            <a:br>
+              <a:rPr lang="en-US" sz="4000" dirty="0"/>
+            </a:br>
+            <a:r>
+              <a:rPr lang="en-US" sz="4000" dirty="0"/>
+              <a:t>Lab</a:t>
+            </a:r>
+          </a:p>
+        </p:txBody>
+      </p:sp>
+    </p:spTree>
+    <p:extLst>
+      <p:ext uri="{BB962C8B-B14F-4D97-AF65-F5344CB8AC3E}">
+        <p14:creationId xmlns:p14="http://schemas.microsoft.com/office/powerpoint/2010/main" val="3700591436"/>
+      </p:ext>
+    </p:extLst>
+  </p:cSld>
+  <p:clrMapOvr>
+    <a:masterClrMapping/>
+  </p:clrMapOvr>
+</p:sld>
+</file>
+
+<file path=ppt/slides/slide9.xml><?xml version="1.0" encoding="utf-8"?>
 <p:sld xmlns:a="http://schemas.openxmlformats.org/drawingml/2006/main" xmlns:r="http://schemas.openxmlformats.org/officeDocument/2006/relationships" xmlns:p="http://schemas.openxmlformats.org/presentationml/2006/main">
   <p:cSld>
     <p:bg>
